--- a/Dokumentacija/ArtursBerezjuks_2020_kvd.pptx
+++ b/Dokumentacija/ArtursBerezjuks_2020_kvd.pptx
@@ -4267,9 +4267,12 @@
             </a:r>
             <a:r>
               <a:rPr lang="en-US" dirty="0"/>
-              <a:t> spammer</a:t>
-            </a:r>
-            <a:endParaRPr lang="lv-LV" dirty="0"/>
+              <a:t> </a:t>
+            </a:r>
+            <a:r>
+              <a:rPr lang="lv-LV" dirty="0"/>
+              <a:t>īsziņās sūtītājs</a:t>
+            </a:r>
           </a:p>
         </p:txBody>
       </p:sp>
@@ -4559,7 +4562,15 @@
             </a:r>
             <a:r>
               <a:rPr lang="lv-LV" dirty="0"/>
-              <a:t>šo bridi WhatsApp-am ir ļoti droša aizsardzības sistēma prēt «Spam» botiem</a:t>
+              <a:t>šo bridi WhatsApp-am ir ļoti droša aizsardzības sistēma </a:t>
+            </a:r>
+            <a:r>
+              <a:rPr lang="lv-LV" dirty="0" err="1"/>
+              <a:t>prēt</a:t>
+            </a:r>
+            <a:r>
+              <a:rPr lang="lv-LV" dirty="0"/>
+              <a:t> «surogātpasts» botiem</a:t>
             </a:r>
           </a:p>
           <a:p>
